--- a/charts/p13/p13.pptx
+++ b/charts/p13/p13.pptx
@@ -6917,74 +6917,6 @@
           </a:graphicData>
         </a:graphic>
       </p:graphicFrame>
-      <p:sp>
-        <p:nvSpPr>
-          <p:cNvPr id="366" name="Google Shape;366;p13"/>
-          <p:cNvSpPr txBox="1"/>
-          <p:nvPr/>
-        </p:nvSpPr>
-        <p:spPr>
-          <a:xfrm>
-            <a:off x="3305175" y="2085975"/>
-            <a:ext cx="176213" cy="109538"/>
-          </a:xfrm>
-          <a:prstGeom prst="rect">
-            <a:avLst/>
-          </a:prstGeom>
-          <a:solidFill>
-            <a:srgbClr val="D81159"/>
-          </a:solidFill>
-          <a:ln>
-            <a:noFill/>
-          </a:ln>
-        </p:spPr>
-        <p:txBody>
-          <a:bodyPr spcFirstLastPara="1" wrap="square" lIns="14275" tIns="0" rIns="14275" bIns="0" anchor="ctr" anchorCtr="0">
-            <a:noAutofit/>
-          </a:bodyPr>
-          <a:lstStyle/>
-          <a:p>
-            <a:pPr marL="0" marR="0" lvl="0" indent="0" algn="ctr" rtl="0">
-              <a:lnSpc>
-                <a:spcPct val="90000"/>
-              </a:lnSpc>
-              <a:spcBef>
-                <a:spcPts val="0"/>
-              </a:spcBef>
-              <a:spcAft>
-                <a:spcPts val="0"/>
-              </a:spcAft>
-              <a:buClr>
-                <a:schemeClr val="dk1"/>
-              </a:buClr>
-              <a:buSzPts val="800"/>
-              <a:buFont typeface="Arial" panose="020B0604020202090204"/>
-              <a:buNone/>
-            </a:pPr>
-            <a:r>
-              <a:rPr lang="en-GB" sz="800" b="0" i="0" u="none" strike="noStrike" cap="none">
-                <a:solidFill>
-                  <a:schemeClr val="dk1"/>
-                </a:solidFill>
-                <a:latin typeface="Helvetica Neue" panose="02000503000000020004"/>
-                <a:ea typeface="Helvetica Neue" panose="02000503000000020004"/>
-                <a:cs typeface="Helvetica Neue" panose="02000503000000020004"/>
-                <a:sym typeface="Helvetica Neue" panose="02000503000000020004"/>
-              </a:rPr>
-              <a:t>2%</a:t>
-            </a:r>
-            <a:endParaRPr sz="800" b="0" i="0" u="none" strike="noStrike" cap="none">
-              <a:solidFill>
-                <a:schemeClr val="dk1"/>
-              </a:solidFill>
-              <a:latin typeface="Helvetica Neue" panose="02000503000000020004"/>
-              <a:ea typeface="Helvetica Neue" panose="02000503000000020004"/>
-              <a:cs typeface="Helvetica Neue" panose="02000503000000020004"/>
-              <a:sym typeface="Helvetica Neue" panose="02000503000000020004"/>
-            </a:endParaRPr>
-          </a:p>
-        </p:txBody>
-      </p:sp>
       <p:cxnSp>
         <p:nvCxnSpPr>
           <p:cNvPr id="367" name="Google Shape;367;p13"/>
@@ -8289,8 +8221,8 @@
         </p:nvSpPr>
         <p:spPr>
           <a:xfrm>
-            <a:off x="2536825" y="2944813"/>
-            <a:ext cx="271463" cy="82550"/>
+            <a:off x="2536825" y="2945130"/>
+            <a:ext cx="342265" cy="76200"/>
           </a:xfrm>
           <a:prstGeom prst="rect">
             <a:avLst/>
@@ -8355,8 +8287,8 @@
         </p:nvSpPr>
         <p:spPr>
           <a:xfrm>
-            <a:off x="3008313" y="2944813"/>
-            <a:ext cx="303213" cy="82550"/>
+            <a:off x="3008630" y="2945130"/>
+            <a:ext cx="323215" cy="110490"/>
           </a:xfrm>
           <a:prstGeom prst="rect">
             <a:avLst/>
@@ -8421,8 +8353,8 @@
         </p:nvSpPr>
         <p:spPr>
           <a:xfrm>
-            <a:off x="3513138" y="2944813"/>
-            <a:ext cx="249238" cy="82550"/>
+            <a:off x="3513455" y="2945130"/>
+            <a:ext cx="262255" cy="76200"/>
           </a:xfrm>
           <a:prstGeom prst="rect">
             <a:avLst/>
